--- a/ppt 16-9/1280.自以为有智慧.pptx
+++ b/ppt 16-9/1280.自以为有智慧.pptx
@@ -5,7 +5,7 @@
     <p:sldMasterId id="2147483648" r:id="rId1"/>
   </p:sldMasterIdLst>
   <p:sldIdLst>
-    <p:sldId id="829" r:id="rId2"/>
+    <p:sldId id="830" r:id="rId2"/>
   </p:sldIdLst>
   <p:sldSz cx="12192000" cy="6858000"/>
   <p:notesSz cx="6858000" cy="9144000"/>
@@ -129,7 +129,7 @@
           <p:cNvPr id="2" name="标题 1">
             <a:extLst>
               <a:ext uri="{FF2B5EF4-FFF2-40B4-BE49-F238E27FC236}">
-                <a16:creationId xmlns:a16="http://schemas.microsoft.com/office/drawing/2014/main" id="{2DAA6865-C5B3-32DC-B988-ABF1C3C9E233}"/>
+                <a16:creationId xmlns:a16="http://schemas.microsoft.com/office/drawing/2014/main" id="{714937E2-78B4-4599-2303-81898769C50A}"/>
               </a:ext>
             </a:extLst>
           </p:cNvPr>
@@ -166,7 +166,7 @@
           <p:cNvPr id="3" name="副标题 2">
             <a:extLst>
               <a:ext uri="{FF2B5EF4-FFF2-40B4-BE49-F238E27FC236}">
-                <a16:creationId xmlns:a16="http://schemas.microsoft.com/office/drawing/2014/main" id="{4B8DA56A-7290-C549-DB61-6F7E3C15D27B}"/>
+                <a16:creationId xmlns:a16="http://schemas.microsoft.com/office/drawing/2014/main" id="{CD468874-27FC-593D-6148-A01075CA9417}"/>
               </a:ext>
             </a:extLst>
           </p:cNvPr>
@@ -236,7 +236,7 @@
           <p:cNvPr id="4" name="日期占位符 3">
             <a:extLst>
               <a:ext uri="{FF2B5EF4-FFF2-40B4-BE49-F238E27FC236}">
-                <a16:creationId xmlns:a16="http://schemas.microsoft.com/office/drawing/2014/main" id="{23E775C6-1E44-02C9-014B-B6A7D34BB16A}"/>
+                <a16:creationId xmlns:a16="http://schemas.microsoft.com/office/drawing/2014/main" id="{66EA01E6-02C8-14FE-5E3E-CDC5C57801E1}"/>
               </a:ext>
             </a:extLst>
           </p:cNvPr>
@@ -252,7 +252,7 @@
           <a:bodyPr/>
           <a:lstStyle/>
           <a:p>
-            <a:fld id="{5DAEDD94-563D-4F94-808C-8E06A50D58CE}" type="datetimeFigureOut">
+            <a:fld id="{896F529D-E4B8-4446-A284-D706DE656780}" type="datetimeFigureOut">
               <a:rPr lang="zh-CN" altLang="en-US" smtClean="0"/>
               <a:t>2024/3/10</a:t>
             </a:fld>
@@ -265,7 +265,7 @@
           <p:cNvPr id="5" name="页脚占位符 4">
             <a:extLst>
               <a:ext uri="{FF2B5EF4-FFF2-40B4-BE49-F238E27FC236}">
-                <a16:creationId xmlns:a16="http://schemas.microsoft.com/office/drawing/2014/main" id="{8679AFD3-6A19-3E23-C64B-7154395902A9}"/>
+                <a16:creationId xmlns:a16="http://schemas.microsoft.com/office/drawing/2014/main" id="{7A69D9AB-8A2E-5424-EBE8-B89050896954}"/>
               </a:ext>
             </a:extLst>
           </p:cNvPr>
@@ -290,7 +290,7 @@
           <p:cNvPr id="6" name="灯片编号占位符 5">
             <a:extLst>
               <a:ext uri="{FF2B5EF4-FFF2-40B4-BE49-F238E27FC236}">
-                <a16:creationId xmlns:a16="http://schemas.microsoft.com/office/drawing/2014/main" id="{00577B80-7F62-772F-B61E-7519021335CA}"/>
+                <a16:creationId xmlns:a16="http://schemas.microsoft.com/office/drawing/2014/main" id="{1B9D8178-B48E-6EE0-31A9-D2B6A17D43B8}"/>
               </a:ext>
             </a:extLst>
           </p:cNvPr>
@@ -306,7 +306,7 @@
           <a:bodyPr/>
           <a:lstStyle/>
           <a:p>
-            <a:fld id="{D6301372-769D-42BE-8194-5DD4D3F472B5}" type="slidenum">
+            <a:fld id="{591DB2F8-6785-44D4-80B6-257F1E13351A}" type="slidenum">
               <a:rPr lang="zh-CN" altLang="en-US" smtClean="0"/>
               <a:t>‹#›</a:t>
             </a:fld>
@@ -317,7 +317,7 @@
     </p:spTree>
     <p:extLst>
       <p:ext uri="{BB962C8B-B14F-4D97-AF65-F5344CB8AC3E}">
-        <p14:creationId xmlns:p14="http://schemas.microsoft.com/office/powerpoint/2010/main" val="1532815727"/>
+        <p14:creationId xmlns:p14="http://schemas.microsoft.com/office/powerpoint/2010/main" val="1893753658"/>
       </p:ext>
     </p:extLst>
   </p:cSld>
@@ -349,7 +349,7 @@
           <p:cNvPr id="2" name="标题 1">
             <a:extLst>
               <a:ext uri="{FF2B5EF4-FFF2-40B4-BE49-F238E27FC236}">
-                <a16:creationId xmlns:a16="http://schemas.microsoft.com/office/drawing/2014/main" id="{3C239E6F-AA2E-A411-0711-E33207AC8670}"/>
+                <a16:creationId xmlns:a16="http://schemas.microsoft.com/office/drawing/2014/main" id="{6534F872-B108-8145-AED3-63FE74CF30C6}"/>
               </a:ext>
             </a:extLst>
           </p:cNvPr>
@@ -377,7 +377,7 @@
           <p:cNvPr id="3" name="竖排文字占位符 2">
             <a:extLst>
               <a:ext uri="{FF2B5EF4-FFF2-40B4-BE49-F238E27FC236}">
-                <a16:creationId xmlns:a16="http://schemas.microsoft.com/office/drawing/2014/main" id="{14A257DE-D54D-E864-3BFD-921E6FDB0E97}"/>
+                <a16:creationId xmlns:a16="http://schemas.microsoft.com/office/drawing/2014/main" id="{1FF93D8F-4A80-56B4-E5C1-C7109233023A}"/>
               </a:ext>
             </a:extLst>
           </p:cNvPr>
@@ -434,7 +434,7 @@
           <p:cNvPr id="4" name="日期占位符 3">
             <a:extLst>
               <a:ext uri="{FF2B5EF4-FFF2-40B4-BE49-F238E27FC236}">
-                <a16:creationId xmlns:a16="http://schemas.microsoft.com/office/drawing/2014/main" id="{9FAB7E3C-57E3-26DF-6DDB-CA4320F54608}"/>
+                <a16:creationId xmlns:a16="http://schemas.microsoft.com/office/drawing/2014/main" id="{953FF087-435B-AF8F-2F09-0AF3ED0C0AD2}"/>
               </a:ext>
             </a:extLst>
           </p:cNvPr>
@@ -450,7 +450,7 @@
           <a:bodyPr/>
           <a:lstStyle/>
           <a:p>
-            <a:fld id="{5DAEDD94-563D-4F94-808C-8E06A50D58CE}" type="datetimeFigureOut">
+            <a:fld id="{896F529D-E4B8-4446-A284-D706DE656780}" type="datetimeFigureOut">
               <a:rPr lang="zh-CN" altLang="en-US" smtClean="0"/>
               <a:t>2024/3/10</a:t>
             </a:fld>
@@ -463,7 +463,7 @@
           <p:cNvPr id="5" name="页脚占位符 4">
             <a:extLst>
               <a:ext uri="{FF2B5EF4-FFF2-40B4-BE49-F238E27FC236}">
-                <a16:creationId xmlns:a16="http://schemas.microsoft.com/office/drawing/2014/main" id="{9354B544-64FF-9A60-E8E4-2B6C0E96EFCA}"/>
+                <a16:creationId xmlns:a16="http://schemas.microsoft.com/office/drawing/2014/main" id="{B04B2061-EC67-641F-A81E-50B009897D6D}"/>
               </a:ext>
             </a:extLst>
           </p:cNvPr>
@@ -488,7 +488,7 @@
           <p:cNvPr id="6" name="灯片编号占位符 5">
             <a:extLst>
               <a:ext uri="{FF2B5EF4-FFF2-40B4-BE49-F238E27FC236}">
-                <a16:creationId xmlns:a16="http://schemas.microsoft.com/office/drawing/2014/main" id="{9A2AA44F-EA0F-C14C-12A8-90291D6C32A2}"/>
+                <a16:creationId xmlns:a16="http://schemas.microsoft.com/office/drawing/2014/main" id="{4233072D-89A3-8440-71AA-F9D6E527F0E5}"/>
               </a:ext>
             </a:extLst>
           </p:cNvPr>
@@ -504,7 +504,7 @@
           <a:bodyPr/>
           <a:lstStyle/>
           <a:p>
-            <a:fld id="{D6301372-769D-42BE-8194-5DD4D3F472B5}" type="slidenum">
+            <a:fld id="{591DB2F8-6785-44D4-80B6-257F1E13351A}" type="slidenum">
               <a:rPr lang="zh-CN" altLang="en-US" smtClean="0"/>
               <a:t>‹#›</a:t>
             </a:fld>
@@ -515,7 +515,7 @@
     </p:spTree>
     <p:extLst>
       <p:ext uri="{BB962C8B-B14F-4D97-AF65-F5344CB8AC3E}">
-        <p14:creationId xmlns:p14="http://schemas.microsoft.com/office/powerpoint/2010/main" val="1495648640"/>
+        <p14:creationId xmlns:p14="http://schemas.microsoft.com/office/powerpoint/2010/main" val="615201297"/>
       </p:ext>
     </p:extLst>
   </p:cSld>
@@ -547,7 +547,7 @@
           <p:cNvPr id="2" name="竖排标题 1">
             <a:extLst>
               <a:ext uri="{FF2B5EF4-FFF2-40B4-BE49-F238E27FC236}">
-                <a16:creationId xmlns:a16="http://schemas.microsoft.com/office/drawing/2014/main" id="{C472B333-7AF3-6AC5-FA5F-DC3A87498071}"/>
+                <a16:creationId xmlns:a16="http://schemas.microsoft.com/office/drawing/2014/main" id="{129CBE3D-BD3F-601B-D54E-224F2253F359}"/>
               </a:ext>
             </a:extLst>
           </p:cNvPr>
@@ -580,7 +580,7 @@
           <p:cNvPr id="3" name="竖排文字占位符 2">
             <a:extLst>
               <a:ext uri="{FF2B5EF4-FFF2-40B4-BE49-F238E27FC236}">
-                <a16:creationId xmlns:a16="http://schemas.microsoft.com/office/drawing/2014/main" id="{D63175CF-A9FE-3E3A-5D66-F6BA04D6F406}"/>
+                <a16:creationId xmlns:a16="http://schemas.microsoft.com/office/drawing/2014/main" id="{94BAFC39-410F-395D-7D12-DABD4F8AE3BE}"/>
               </a:ext>
             </a:extLst>
           </p:cNvPr>
@@ -642,7 +642,7 @@
           <p:cNvPr id="4" name="日期占位符 3">
             <a:extLst>
               <a:ext uri="{FF2B5EF4-FFF2-40B4-BE49-F238E27FC236}">
-                <a16:creationId xmlns:a16="http://schemas.microsoft.com/office/drawing/2014/main" id="{EF6C539E-ABB4-A549-1F8B-4F44F49D0292}"/>
+                <a16:creationId xmlns:a16="http://schemas.microsoft.com/office/drawing/2014/main" id="{FCE45B5B-6D53-FC79-26C4-9C4AE7DAB525}"/>
               </a:ext>
             </a:extLst>
           </p:cNvPr>
@@ -658,7 +658,7 @@
           <a:bodyPr/>
           <a:lstStyle/>
           <a:p>
-            <a:fld id="{5DAEDD94-563D-4F94-808C-8E06A50D58CE}" type="datetimeFigureOut">
+            <a:fld id="{896F529D-E4B8-4446-A284-D706DE656780}" type="datetimeFigureOut">
               <a:rPr lang="zh-CN" altLang="en-US" smtClean="0"/>
               <a:t>2024/3/10</a:t>
             </a:fld>
@@ -671,7 +671,7 @@
           <p:cNvPr id="5" name="页脚占位符 4">
             <a:extLst>
               <a:ext uri="{FF2B5EF4-FFF2-40B4-BE49-F238E27FC236}">
-                <a16:creationId xmlns:a16="http://schemas.microsoft.com/office/drawing/2014/main" id="{0987BF89-CF95-BA8B-C783-BA56FB4CC4C3}"/>
+                <a16:creationId xmlns:a16="http://schemas.microsoft.com/office/drawing/2014/main" id="{13D36358-C418-A319-A4C9-E61AFAEEFD6A}"/>
               </a:ext>
             </a:extLst>
           </p:cNvPr>
@@ -696,7 +696,7 @@
           <p:cNvPr id="6" name="灯片编号占位符 5">
             <a:extLst>
               <a:ext uri="{FF2B5EF4-FFF2-40B4-BE49-F238E27FC236}">
-                <a16:creationId xmlns:a16="http://schemas.microsoft.com/office/drawing/2014/main" id="{89EA1641-ADF9-443F-9CDF-B2BF7E2AEE93}"/>
+                <a16:creationId xmlns:a16="http://schemas.microsoft.com/office/drawing/2014/main" id="{646ED09F-0D20-C68D-426B-0DD5777F4A49}"/>
               </a:ext>
             </a:extLst>
           </p:cNvPr>
@@ -712,7 +712,7 @@
           <a:bodyPr/>
           <a:lstStyle/>
           <a:p>
-            <a:fld id="{D6301372-769D-42BE-8194-5DD4D3F472B5}" type="slidenum">
+            <a:fld id="{591DB2F8-6785-44D4-80B6-257F1E13351A}" type="slidenum">
               <a:rPr lang="zh-CN" altLang="en-US" smtClean="0"/>
               <a:t>‹#›</a:t>
             </a:fld>
@@ -723,7 +723,7 @@
     </p:spTree>
     <p:extLst>
       <p:ext uri="{BB962C8B-B14F-4D97-AF65-F5344CB8AC3E}">
-        <p14:creationId xmlns:p14="http://schemas.microsoft.com/office/powerpoint/2010/main" val="3129117290"/>
+        <p14:creationId xmlns:p14="http://schemas.microsoft.com/office/powerpoint/2010/main" val="811560269"/>
       </p:ext>
     </p:extLst>
   </p:cSld>
@@ -755,7 +755,7 @@
           <p:cNvPr id="2" name="标题 1">
             <a:extLst>
               <a:ext uri="{FF2B5EF4-FFF2-40B4-BE49-F238E27FC236}">
-                <a16:creationId xmlns:a16="http://schemas.microsoft.com/office/drawing/2014/main" id="{ABD38076-9C6B-E40A-F5C3-92FE177F2842}"/>
+                <a16:creationId xmlns:a16="http://schemas.microsoft.com/office/drawing/2014/main" id="{DFED6669-E0F4-7FE5-359E-6C81B9B5752C}"/>
               </a:ext>
             </a:extLst>
           </p:cNvPr>
@@ -783,7 +783,7 @@
           <p:cNvPr id="3" name="内容占位符 2">
             <a:extLst>
               <a:ext uri="{FF2B5EF4-FFF2-40B4-BE49-F238E27FC236}">
-                <a16:creationId xmlns:a16="http://schemas.microsoft.com/office/drawing/2014/main" id="{793AF043-FC5B-7082-A4F5-BE1BB921F746}"/>
+                <a16:creationId xmlns:a16="http://schemas.microsoft.com/office/drawing/2014/main" id="{3F836B38-3365-E0D6-E25B-48881C38CD6D}"/>
               </a:ext>
             </a:extLst>
           </p:cNvPr>
@@ -840,7 +840,7 @@
           <p:cNvPr id="4" name="日期占位符 3">
             <a:extLst>
               <a:ext uri="{FF2B5EF4-FFF2-40B4-BE49-F238E27FC236}">
-                <a16:creationId xmlns:a16="http://schemas.microsoft.com/office/drawing/2014/main" id="{67E21758-B77E-75F6-4F9F-5706063776DB}"/>
+                <a16:creationId xmlns:a16="http://schemas.microsoft.com/office/drawing/2014/main" id="{86BE2575-5B60-E449-03C9-7336869AD684}"/>
               </a:ext>
             </a:extLst>
           </p:cNvPr>
@@ -856,7 +856,7 @@
           <a:bodyPr/>
           <a:lstStyle/>
           <a:p>
-            <a:fld id="{5DAEDD94-563D-4F94-808C-8E06A50D58CE}" type="datetimeFigureOut">
+            <a:fld id="{896F529D-E4B8-4446-A284-D706DE656780}" type="datetimeFigureOut">
               <a:rPr lang="zh-CN" altLang="en-US" smtClean="0"/>
               <a:t>2024/3/10</a:t>
             </a:fld>
@@ -869,7 +869,7 @@
           <p:cNvPr id="5" name="页脚占位符 4">
             <a:extLst>
               <a:ext uri="{FF2B5EF4-FFF2-40B4-BE49-F238E27FC236}">
-                <a16:creationId xmlns:a16="http://schemas.microsoft.com/office/drawing/2014/main" id="{2C3DD43E-8965-E2D8-6BB1-751420149484}"/>
+                <a16:creationId xmlns:a16="http://schemas.microsoft.com/office/drawing/2014/main" id="{7C9A2A7C-8FDC-BCD7-8232-3C3BE5A69555}"/>
               </a:ext>
             </a:extLst>
           </p:cNvPr>
@@ -894,7 +894,7 @@
           <p:cNvPr id="6" name="灯片编号占位符 5">
             <a:extLst>
               <a:ext uri="{FF2B5EF4-FFF2-40B4-BE49-F238E27FC236}">
-                <a16:creationId xmlns:a16="http://schemas.microsoft.com/office/drawing/2014/main" id="{2FB30904-9657-C456-9410-145A089C7CC7}"/>
+                <a16:creationId xmlns:a16="http://schemas.microsoft.com/office/drawing/2014/main" id="{4C18DDFF-733C-3EDD-3271-05E5DE589DF7}"/>
               </a:ext>
             </a:extLst>
           </p:cNvPr>
@@ -910,7 +910,7 @@
           <a:bodyPr/>
           <a:lstStyle/>
           <a:p>
-            <a:fld id="{D6301372-769D-42BE-8194-5DD4D3F472B5}" type="slidenum">
+            <a:fld id="{591DB2F8-6785-44D4-80B6-257F1E13351A}" type="slidenum">
               <a:rPr lang="zh-CN" altLang="en-US" smtClean="0"/>
               <a:t>‹#›</a:t>
             </a:fld>
@@ -921,7 +921,7 @@
     </p:spTree>
     <p:extLst>
       <p:ext uri="{BB962C8B-B14F-4D97-AF65-F5344CB8AC3E}">
-        <p14:creationId xmlns:p14="http://schemas.microsoft.com/office/powerpoint/2010/main" val="1910421790"/>
+        <p14:creationId xmlns:p14="http://schemas.microsoft.com/office/powerpoint/2010/main" val="2599862554"/>
       </p:ext>
     </p:extLst>
   </p:cSld>
@@ -953,7 +953,7 @@
           <p:cNvPr id="2" name="标题 1">
             <a:extLst>
               <a:ext uri="{FF2B5EF4-FFF2-40B4-BE49-F238E27FC236}">
-                <a16:creationId xmlns:a16="http://schemas.microsoft.com/office/drawing/2014/main" id="{66812FA0-2F67-7BD7-C091-A421058311EA}"/>
+                <a16:creationId xmlns:a16="http://schemas.microsoft.com/office/drawing/2014/main" id="{C75F9EAC-6A17-1A72-F08B-C2C92FDC0F10}"/>
               </a:ext>
             </a:extLst>
           </p:cNvPr>
@@ -990,7 +990,7 @@
           <p:cNvPr id="3" name="文本占位符 2">
             <a:extLst>
               <a:ext uri="{FF2B5EF4-FFF2-40B4-BE49-F238E27FC236}">
-                <a16:creationId xmlns:a16="http://schemas.microsoft.com/office/drawing/2014/main" id="{BCE9F496-0950-9DEB-F869-8E859EAF6A75}"/>
+                <a16:creationId xmlns:a16="http://schemas.microsoft.com/office/drawing/2014/main" id="{5214181F-6A89-4189-2437-89D7D0D8A4DF}"/>
               </a:ext>
             </a:extLst>
           </p:cNvPr>
@@ -1115,7 +1115,7 @@
           <p:cNvPr id="4" name="日期占位符 3">
             <a:extLst>
               <a:ext uri="{FF2B5EF4-FFF2-40B4-BE49-F238E27FC236}">
-                <a16:creationId xmlns:a16="http://schemas.microsoft.com/office/drawing/2014/main" id="{EA31B5D5-34E4-CDB1-6701-BDD374E21D37}"/>
+                <a16:creationId xmlns:a16="http://schemas.microsoft.com/office/drawing/2014/main" id="{9B0215A9-B295-2255-9062-260A38CA81FE}"/>
               </a:ext>
             </a:extLst>
           </p:cNvPr>
@@ -1131,7 +1131,7 @@
           <a:bodyPr/>
           <a:lstStyle/>
           <a:p>
-            <a:fld id="{5DAEDD94-563D-4F94-808C-8E06A50D58CE}" type="datetimeFigureOut">
+            <a:fld id="{896F529D-E4B8-4446-A284-D706DE656780}" type="datetimeFigureOut">
               <a:rPr lang="zh-CN" altLang="en-US" smtClean="0"/>
               <a:t>2024/3/10</a:t>
             </a:fld>
@@ -1144,7 +1144,7 @@
           <p:cNvPr id="5" name="页脚占位符 4">
             <a:extLst>
               <a:ext uri="{FF2B5EF4-FFF2-40B4-BE49-F238E27FC236}">
-                <a16:creationId xmlns:a16="http://schemas.microsoft.com/office/drawing/2014/main" id="{39444C7A-1DEB-24DF-2E78-290DE9415B36}"/>
+                <a16:creationId xmlns:a16="http://schemas.microsoft.com/office/drawing/2014/main" id="{C8177C21-A1DF-D18A-EFC9-8E81165C4262}"/>
               </a:ext>
             </a:extLst>
           </p:cNvPr>
@@ -1169,7 +1169,7 @@
           <p:cNvPr id="6" name="灯片编号占位符 5">
             <a:extLst>
               <a:ext uri="{FF2B5EF4-FFF2-40B4-BE49-F238E27FC236}">
-                <a16:creationId xmlns:a16="http://schemas.microsoft.com/office/drawing/2014/main" id="{2D59BDF2-1D4D-3441-1B70-FB67D1DB3A5E}"/>
+                <a16:creationId xmlns:a16="http://schemas.microsoft.com/office/drawing/2014/main" id="{81F06FA8-4BE1-1ADB-26FA-212DDBCDF0D6}"/>
               </a:ext>
             </a:extLst>
           </p:cNvPr>
@@ -1185,7 +1185,7 @@
           <a:bodyPr/>
           <a:lstStyle/>
           <a:p>
-            <a:fld id="{D6301372-769D-42BE-8194-5DD4D3F472B5}" type="slidenum">
+            <a:fld id="{591DB2F8-6785-44D4-80B6-257F1E13351A}" type="slidenum">
               <a:rPr lang="zh-CN" altLang="en-US" smtClean="0"/>
               <a:t>‹#›</a:t>
             </a:fld>
@@ -1196,7 +1196,7 @@
     </p:spTree>
     <p:extLst>
       <p:ext uri="{BB962C8B-B14F-4D97-AF65-F5344CB8AC3E}">
-        <p14:creationId xmlns:p14="http://schemas.microsoft.com/office/powerpoint/2010/main" val="10031427"/>
+        <p14:creationId xmlns:p14="http://schemas.microsoft.com/office/powerpoint/2010/main" val="2543763956"/>
       </p:ext>
     </p:extLst>
   </p:cSld>
@@ -1228,7 +1228,7 @@
           <p:cNvPr id="2" name="标题 1">
             <a:extLst>
               <a:ext uri="{FF2B5EF4-FFF2-40B4-BE49-F238E27FC236}">
-                <a16:creationId xmlns:a16="http://schemas.microsoft.com/office/drawing/2014/main" id="{AD9FE2C4-E03C-12D1-B5C4-D48ABCEEC7F7}"/>
+                <a16:creationId xmlns:a16="http://schemas.microsoft.com/office/drawing/2014/main" id="{DA506F8B-E114-F8FB-D487-B301788D0D66}"/>
               </a:ext>
             </a:extLst>
           </p:cNvPr>
@@ -1256,7 +1256,7 @@
           <p:cNvPr id="3" name="内容占位符 2">
             <a:extLst>
               <a:ext uri="{FF2B5EF4-FFF2-40B4-BE49-F238E27FC236}">
-                <a16:creationId xmlns:a16="http://schemas.microsoft.com/office/drawing/2014/main" id="{A398367F-006A-8D1D-5338-3D8102E39C1B}"/>
+                <a16:creationId xmlns:a16="http://schemas.microsoft.com/office/drawing/2014/main" id="{EBD97E22-6DBB-A0EE-CCC6-DBC8BAD4CCAA}"/>
               </a:ext>
             </a:extLst>
           </p:cNvPr>
@@ -1318,7 +1318,7 @@
           <p:cNvPr id="4" name="内容占位符 3">
             <a:extLst>
               <a:ext uri="{FF2B5EF4-FFF2-40B4-BE49-F238E27FC236}">
-                <a16:creationId xmlns:a16="http://schemas.microsoft.com/office/drawing/2014/main" id="{E588A279-E42E-32EB-1411-781C2839CD7E}"/>
+                <a16:creationId xmlns:a16="http://schemas.microsoft.com/office/drawing/2014/main" id="{DD31B413-446B-65F2-6DEA-8E77CC42171B}"/>
               </a:ext>
             </a:extLst>
           </p:cNvPr>
@@ -1380,7 +1380,7 @@
           <p:cNvPr id="5" name="日期占位符 4">
             <a:extLst>
               <a:ext uri="{FF2B5EF4-FFF2-40B4-BE49-F238E27FC236}">
-                <a16:creationId xmlns:a16="http://schemas.microsoft.com/office/drawing/2014/main" id="{3C3BA844-AD48-CA99-59EB-D42A314AA6B2}"/>
+                <a16:creationId xmlns:a16="http://schemas.microsoft.com/office/drawing/2014/main" id="{BB68739D-C8B6-A8ED-142F-BAEDEFF893BB}"/>
               </a:ext>
             </a:extLst>
           </p:cNvPr>
@@ -1396,7 +1396,7 @@
           <a:bodyPr/>
           <a:lstStyle/>
           <a:p>
-            <a:fld id="{5DAEDD94-563D-4F94-808C-8E06A50D58CE}" type="datetimeFigureOut">
+            <a:fld id="{896F529D-E4B8-4446-A284-D706DE656780}" type="datetimeFigureOut">
               <a:rPr lang="zh-CN" altLang="en-US" smtClean="0"/>
               <a:t>2024/3/10</a:t>
             </a:fld>
@@ -1409,7 +1409,7 @@
           <p:cNvPr id="6" name="页脚占位符 5">
             <a:extLst>
               <a:ext uri="{FF2B5EF4-FFF2-40B4-BE49-F238E27FC236}">
-                <a16:creationId xmlns:a16="http://schemas.microsoft.com/office/drawing/2014/main" id="{055F350D-F1E2-DAF3-7824-CCEE7F8E12DC}"/>
+                <a16:creationId xmlns:a16="http://schemas.microsoft.com/office/drawing/2014/main" id="{5CD9810C-2DBC-B8D0-E509-989D075B90B6}"/>
               </a:ext>
             </a:extLst>
           </p:cNvPr>
@@ -1434,7 +1434,7 @@
           <p:cNvPr id="7" name="灯片编号占位符 6">
             <a:extLst>
               <a:ext uri="{FF2B5EF4-FFF2-40B4-BE49-F238E27FC236}">
-                <a16:creationId xmlns:a16="http://schemas.microsoft.com/office/drawing/2014/main" id="{05DA88F8-7C38-F3D1-79F1-B60885621FBB}"/>
+                <a16:creationId xmlns:a16="http://schemas.microsoft.com/office/drawing/2014/main" id="{E4000AFC-2241-A412-D215-C5683592F7B1}"/>
               </a:ext>
             </a:extLst>
           </p:cNvPr>
@@ -1450,7 +1450,7 @@
           <a:bodyPr/>
           <a:lstStyle/>
           <a:p>
-            <a:fld id="{D6301372-769D-42BE-8194-5DD4D3F472B5}" type="slidenum">
+            <a:fld id="{591DB2F8-6785-44D4-80B6-257F1E13351A}" type="slidenum">
               <a:rPr lang="zh-CN" altLang="en-US" smtClean="0"/>
               <a:t>‹#›</a:t>
             </a:fld>
@@ -1461,7 +1461,7 @@
     </p:spTree>
     <p:extLst>
       <p:ext uri="{BB962C8B-B14F-4D97-AF65-F5344CB8AC3E}">
-        <p14:creationId xmlns:p14="http://schemas.microsoft.com/office/powerpoint/2010/main" val="1618933684"/>
+        <p14:creationId xmlns:p14="http://schemas.microsoft.com/office/powerpoint/2010/main" val="2237880826"/>
       </p:ext>
     </p:extLst>
   </p:cSld>
@@ -1493,7 +1493,7 @@
           <p:cNvPr id="2" name="标题 1">
             <a:extLst>
               <a:ext uri="{FF2B5EF4-FFF2-40B4-BE49-F238E27FC236}">
-                <a16:creationId xmlns:a16="http://schemas.microsoft.com/office/drawing/2014/main" id="{9C926531-72C7-B237-218E-D632EFBB8C34}"/>
+                <a16:creationId xmlns:a16="http://schemas.microsoft.com/office/drawing/2014/main" id="{043DCF0E-847F-66A6-9826-6D35CDAFE217}"/>
               </a:ext>
             </a:extLst>
           </p:cNvPr>
@@ -1526,7 +1526,7 @@
           <p:cNvPr id="3" name="文本占位符 2">
             <a:extLst>
               <a:ext uri="{FF2B5EF4-FFF2-40B4-BE49-F238E27FC236}">
-                <a16:creationId xmlns:a16="http://schemas.microsoft.com/office/drawing/2014/main" id="{44A343F0-B28B-620E-2D2A-91CBAF75DD37}"/>
+                <a16:creationId xmlns:a16="http://schemas.microsoft.com/office/drawing/2014/main" id="{9064C947-EA94-88B2-2DBA-F5A7D4025C39}"/>
               </a:ext>
             </a:extLst>
           </p:cNvPr>
@@ -1597,7 +1597,7 @@
           <p:cNvPr id="4" name="内容占位符 3">
             <a:extLst>
               <a:ext uri="{FF2B5EF4-FFF2-40B4-BE49-F238E27FC236}">
-                <a16:creationId xmlns:a16="http://schemas.microsoft.com/office/drawing/2014/main" id="{E8ECFC77-5F38-257E-AA8C-4C1CD8FF6E50}"/>
+                <a16:creationId xmlns:a16="http://schemas.microsoft.com/office/drawing/2014/main" id="{5B220517-AD13-8FCF-BCC1-8544F9DB9CA3}"/>
               </a:ext>
             </a:extLst>
           </p:cNvPr>
@@ -1659,7 +1659,7 @@
           <p:cNvPr id="5" name="文本占位符 4">
             <a:extLst>
               <a:ext uri="{FF2B5EF4-FFF2-40B4-BE49-F238E27FC236}">
-                <a16:creationId xmlns:a16="http://schemas.microsoft.com/office/drawing/2014/main" id="{193F8260-CEC2-6B2B-0749-8355C41FB916}"/>
+                <a16:creationId xmlns:a16="http://schemas.microsoft.com/office/drawing/2014/main" id="{6D6E52F2-20AE-DC88-3FD9-47F1D17A706B}"/>
               </a:ext>
             </a:extLst>
           </p:cNvPr>
@@ -1730,7 +1730,7 @@
           <p:cNvPr id="6" name="内容占位符 5">
             <a:extLst>
               <a:ext uri="{FF2B5EF4-FFF2-40B4-BE49-F238E27FC236}">
-                <a16:creationId xmlns:a16="http://schemas.microsoft.com/office/drawing/2014/main" id="{67946C67-DACF-7CD7-4FA9-ACE7F030401A}"/>
+                <a16:creationId xmlns:a16="http://schemas.microsoft.com/office/drawing/2014/main" id="{488DD904-B5D2-A150-8FAB-99DF613AB084}"/>
               </a:ext>
             </a:extLst>
           </p:cNvPr>
@@ -1792,7 +1792,7 @@
           <p:cNvPr id="7" name="日期占位符 6">
             <a:extLst>
               <a:ext uri="{FF2B5EF4-FFF2-40B4-BE49-F238E27FC236}">
-                <a16:creationId xmlns:a16="http://schemas.microsoft.com/office/drawing/2014/main" id="{B048EDEC-0E22-8535-9356-EE793A88FD43}"/>
+                <a16:creationId xmlns:a16="http://schemas.microsoft.com/office/drawing/2014/main" id="{D73438DB-B804-7386-BF76-F76E7143401B}"/>
               </a:ext>
             </a:extLst>
           </p:cNvPr>
@@ -1808,7 +1808,7 @@
           <a:bodyPr/>
           <a:lstStyle/>
           <a:p>
-            <a:fld id="{5DAEDD94-563D-4F94-808C-8E06A50D58CE}" type="datetimeFigureOut">
+            <a:fld id="{896F529D-E4B8-4446-A284-D706DE656780}" type="datetimeFigureOut">
               <a:rPr lang="zh-CN" altLang="en-US" smtClean="0"/>
               <a:t>2024/3/10</a:t>
             </a:fld>
@@ -1821,7 +1821,7 @@
           <p:cNvPr id="8" name="页脚占位符 7">
             <a:extLst>
               <a:ext uri="{FF2B5EF4-FFF2-40B4-BE49-F238E27FC236}">
-                <a16:creationId xmlns:a16="http://schemas.microsoft.com/office/drawing/2014/main" id="{7DC267E9-589C-1C48-1443-B5BA7F1FBC88}"/>
+                <a16:creationId xmlns:a16="http://schemas.microsoft.com/office/drawing/2014/main" id="{AB3876E3-8CC9-EE79-2076-3B249BAABF71}"/>
               </a:ext>
             </a:extLst>
           </p:cNvPr>
@@ -1846,7 +1846,7 @@
           <p:cNvPr id="9" name="灯片编号占位符 8">
             <a:extLst>
               <a:ext uri="{FF2B5EF4-FFF2-40B4-BE49-F238E27FC236}">
-                <a16:creationId xmlns:a16="http://schemas.microsoft.com/office/drawing/2014/main" id="{F8263E0E-D111-926F-82A7-2876A983589C}"/>
+                <a16:creationId xmlns:a16="http://schemas.microsoft.com/office/drawing/2014/main" id="{B88516FA-5A7D-4486-6AD5-D19DBC04EB38}"/>
               </a:ext>
             </a:extLst>
           </p:cNvPr>
@@ -1862,7 +1862,7 @@
           <a:bodyPr/>
           <a:lstStyle/>
           <a:p>
-            <a:fld id="{D6301372-769D-42BE-8194-5DD4D3F472B5}" type="slidenum">
+            <a:fld id="{591DB2F8-6785-44D4-80B6-257F1E13351A}" type="slidenum">
               <a:rPr lang="zh-CN" altLang="en-US" smtClean="0"/>
               <a:t>‹#›</a:t>
             </a:fld>
@@ -1873,7 +1873,7 @@
     </p:spTree>
     <p:extLst>
       <p:ext uri="{BB962C8B-B14F-4D97-AF65-F5344CB8AC3E}">
-        <p14:creationId xmlns:p14="http://schemas.microsoft.com/office/powerpoint/2010/main" val="991991123"/>
+        <p14:creationId xmlns:p14="http://schemas.microsoft.com/office/powerpoint/2010/main" val="2411545549"/>
       </p:ext>
     </p:extLst>
   </p:cSld>
@@ -1905,7 +1905,7 @@
           <p:cNvPr id="2" name="标题 1">
             <a:extLst>
               <a:ext uri="{FF2B5EF4-FFF2-40B4-BE49-F238E27FC236}">
-                <a16:creationId xmlns:a16="http://schemas.microsoft.com/office/drawing/2014/main" id="{95048CC3-D804-521B-37C0-F91FF497D79F}"/>
+                <a16:creationId xmlns:a16="http://schemas.microsoft.com/office/drawing/2014/main" id="{7CA5633B-C8DA-1A8C-07A4-D82CC07F0DDD}"/>
               </a:ext>
             </a:extLst>
           </p:cNvPr>
@@ -1933,7 +1933,7 @@
           <p:cNvPr id="3" name="日期占位符 2">
             <a:extLst>
               <a:ext uri="{FF2B5EF4-FFF2-40B4-BE49-F238E27FC236}">
-                <a16:creationId xmlns:a16="http://schemas.microsoft.com/office/drawing/2014/main" id="{F5E83689-DA29-21E5-C155-6A34C71A16C9}"/>
+                <a16:creationId xmlns:a16="http://schemas.microsoft.com/office/drawing/2014/main" id="{4147CBE4-DCDF-28D5-B589-D320AF525E77}"/>
               </a:ext>
             </a:extLst>
           </p:cNvPr>
@@ -1949,7 +1949,7 @@
           <a:bodyPr/>
           <a:lstStyle/>
           <a:p>
-            <a:fld id="{5DAEDD94-563D-4F94-808C-8E06A50D58CE}" type="datetimeFigureOut">
+            <a:fld id="{896F529D-E4B8-4446-A284-D706DE656780}" type="datetimeFigureOut">
               <a:rPr lang="zh-CN" altLang="en-US" smtClean="0"/>
               <a:t>2024/3/10</a:t>
             </a:fld>
@@ -1962,7 +1962,7 @@
           <p:cNvPr id="4" name="页脚占位符 3">
             <a:extLst>
               <a:ext uri="{FF2B5EF4-FFF2-40B4-BE49-F238E27FC236}">
-                <a16:creationId xmlns:a16="http://schemas.microsoft.com/office/drawing/2014/main" id="{A7309985-4CC6-96D6-EB08-25F1D03A0A57}"/>
+                <a16:creationId xmlns:a16="http://schemas.microsoft.com/office/drawing/2014/main" id="{76B6AC33-BFD6-7D43-2D76-47CC33FE465B}"/>
               </a:ext>
             </a:extLst>
           </p:cNvPr>
@@ -1987,7 +1987,7 @@
           <p:cNvPr id="5" name="灯片编号占位符 4">
             <a:extLst>
               <a:ext uri="{FF2B5EF4-FFF2-40B4-BE49-F238E27FC236}">
-                <a16:creationId xmlns:a16="http://schemas.microsoft.com/office/drawing/2014/main" id="{8195FD5A-F889-7EA8-F79E-139CE052BD5E}"/>
+                <a16:creationId xmlns:a16="http://schemas.microsoft.com/office/drawing/2014/main" id="{23B17AC6-76FE-A99C-161A-1929B2C630E8}"/>
               </a:ext>
             </a:extLst>
           </p:cNvPr>
@@ -2003,7 +2003,7 @@
           <a:bodyPr/>
           <a:lstStyle/>
           <a:p>
-            <a:fld id="{D6301372-769D-42BE-8194-5DD4D3F472B5}" type="slidenum">
+            <a:fld id="{591DB2F8-6785-44D4-80B6-257F1E13351A}" type="slidenum">
               <a:rPr lang="zh-CN" altLang="en-US" smtClean="0"/>
               <a:t>‹#›</a:t>
             </a:fld>
@@ -2014,7 +2014,7 @@
     </p:spTree>
     <p:extLst>
       <p:ext uri="{BB962C8B-B14F-4D97-AF65-F5344CB8AC3E}">
-        <p14:creationId xmlns:p14="http://schemas.microsoft.com/office/powerpoint/2010/main" val="2583274133"/>
+        <p14:creationId xmlns:p14="http://schemas.microsoft.com/office/powerpoint/2010/main" val="3270837966"/>
       </p:ext>
     </p:extLst>
   </p:cSld>
@@ -2046,7 +2046,7 @@
           <p:cNvPr id="2" name="日期占位符 1">
             <a:extLst>
               <a:ext uri="{FF2B5EF4-FFF2-40B4-BE49-F238E27FC236}">
-                <a16:creationId xmlns:a16="http://schemas.microsoft.com/office/drawing/2014/main" id="{50CF628E-AE28-7BA3-9703-6061B41318AA}"/>
+                <a16:creationId xmlns:a16="http://schemas.microsoft.com/office/drawing/2014/main" id="{D7A872DC-1DA5-F3D7-1DCE-39F0F8F35D21}"/>
               </a:ext>
             </a:extLst>
           </p:cNvPr>
@@ -2062,7 +2062,7 @@
           <a:bodyPr/>
           <a:lstStyle/>
           <a:p>
-            <a:fld id="{5DAEDD94-563D-4F94-808C-8E06A50D58CE}" type="datetimeFigureOut">
+            <a:fld id="{896F529D-E4B8-4446-A284-D706DE656780}" type="datetimeFigureOut">
               <a:rPr lang="zh-CN" altLang="en-US" smtClean="0"/>
               <a:t>2024/3/10</a:t>
             </a:fld>
@@ -2075,7 +2075,7 @@
           <p:cNvPr id="3" name="页脚占位符 2">
             <a:extLst>
               <a:ext uri="{FF2B5EF4-FFF2-40B4-BE49-F238E27FC236}">
-                <a16:creationId xmlns:a16="http://schemas.microsoft.com/office/drawing/2014/main" id="{5CC1C10F-3884-0966-981C-C659A3C7B21C}"/>
+                <a16:creationId xmlns:a16="http://schemas.microsoft.com/office/drawing/2014/main" id="{87E56F62-BB2B-9FF0-4D8F-3ACA4BC40EE1}"/>
               </a:ext>
             </a:extLst>
           </p:cNvPr>
@@ -2100,7 +2100,7 @@
           <p:cNvPr id="4" name="灯片编号占位符 3">
             <a:extLst>
               <a:ext uri="{FF2B5EF4-FFF2-40B4-BE49-F238E27FC236}">
-                <a16:creationId xmlns:a16="http://schemas.microsoft.com/office/drawing/2014/main" id="{462A8A21-329C-FDC7-6F4B-796CF4C22071}"/>
+                <a16:creationId xmlns:a16="http://schemas.microsoft.com/office/drawing/2014/main" id="{3BC75BE2-7F77-5987-D90A-95499B0CD29F}"/>
               </a:ext>
             </a:extLst>
           </p:cNvPr>
@@ -2116,7 +2116,7 @@
           <a:bodyPr/>
           <a:lstStyle/>
           <a:p>
-            <a:fld id="{D6301372-769D-42BE-8194-5DD4D3F472B5}" type="slidenum">
+            <a:fld id="{591DB2F8-6785-44D4-80B6-257F1E13351A}" type="slidenum">
               <a:rPr lang="zh-CN" altLang="en-US" smtClean="0"/>
               <a:t>‹#›</a:t>
             </a:fld>
@@ -2127,7 +2127,7 @@
     </p:spTree>
     <p:extLst>
       <p:ext uri="{BB962C8B-B14F-4D97-AF65-F5344CB8AC3E}">
-        <p14:creationId xmlns:p14="http://schemas.microsoft.com/office/powerpoint/2010/main" val="4053693320"/>
+        <p14:creationId xmlns:p14="http://schemas.microsoft.com/office/powerpoint/2010/main" val="1254533151"/>
       </p:ext>
     </p:extLst>
   </p:cSld>
@@ -2159,7 +2159,7 @@
           <p:cNvPr id="2" name="标题 1">
             <a:extLst>
               <a:ext uri="{FF2B5EF4-FFF2-40B4-BE49-F238E27FC236}">
-                <a16:creationId xmlns:a16="http://schemas.microsoft.com/office/drawing/2014/main" id="{BC9BA3BA-718D-2A49-B6DD-809DF12BA788}"/>
+                <a16:creationId xmlns:a16="http://schemas.microsoft.com/office/drawing/2014/main" id="{972A33EB-9011-9798-0A71-C2845914D745}"/>
               </a:ext>
             </a:extLst>
           </p:cNvPr>
@@ -2196,7 +2196,7 @@
           <p:cNvPr id="3" name="内容占位符 2">
             <a:extLst>
               <a:ext uri="{FF2B5EF4-FFF2-40B4-BE49-F238E27FC236}">
-                <a16:creationId xmlns:a16="http://schemas.microsoft.com/office/drawing/2014/main" id="{FFAF862F-896C-900B-92EF-A470A6743842}"/>
+                <a16:creationId xmlns:a16="http://schemas.microsoft.com/office/drawing/2014/main" id="{CA9634E9-1056-2F3D-E5EF-2D4198BDE33A}"/>
               </a:ext>
             </a:extLst>
           </p:cNvPr>
@@ -2286,7 +2286,7 @@
           <p:cNvPr id="4" name="文本占位符 3">
             <a:extLst>
               <a:ext uri="{FF2B5EF4-FFF2-40B4-BE49-F238E27FC236}">
-                <a16:creationId xmlns:a16="http://schemas.microsoft.com/office/drawing/2014/main" id="{F8B03E61-B4E2-FAD7-CB03-6F7ECBF340DD}"/>
+                <a16:creationId xmlns:a16="http://schemas.microsoft.com/office/drawing/2014/main" id="{05D41455-6C0A-EA61-0B31-49283EA18CD2}"/>
               </a:ext>
             </a:extLst>
           </p:cNvPr>
@@ -2357,7 +2357,7 @@
           <p:cNvPr id="5" name="日期占位符 4">
             <a:extLst>
               <a:ext uri="{FF2B5EF4-FFF2-40B4-BE49-F238E27FC236}">
-                <a16:creationId xmlns:a16="http://schemas.microsoft.com/office/drawing/2014/main" id="{327E2E04-A323-3EC0-98A3-0A486EC52799}"/>
+                <a16:creationId xmlns:a16="http://schemas.microsoft.com/office/drawing/2014/main" id="{2CF078B3-14D0-EF5C-26F3-00D2ED138A53}"/>
               </a:ext>
             </a:extLst>
           </p:cNvPr>
@@ -2373,7 +2373,7 @@
           <a:bodyPr/>
           <a:lstStyle/>
           <a:p>
-            <a:fld id="{5DAEDD94-563D-4F94-808C-8E06A50D58CE}" type="datetimeFigureOut">
+            <a:fld id="{896F529D-E4B8-4446-A284-D706DE656780}" type="datetimeFigureOut">
               <a:rPr lang="zh-CN" altLang="en-US" smtClean="0"/>
               <a:t>2024/3/10</a:t>
             </a:fld>
@@ -2386,7 +2386,7 @@
           <p:cNvPr id="6" name="页脚占位符 5">
             <a:extLst>
               <a:ext uri="{FF2B5EF4-FFF2-40B4-BE49-F238E27FC236}">
-                <a16:creationId xmlns:a16="http://schemas.microsoft.com/office/drawing/2014/main" id="{026D140E-177C-D442-E458-8C275C192EC7}"/>
+                <a16:creationId xmlns:a16="http://schemas.microsoft.com/office/drawing/2014/main" id="{CE9C08C9-899B-D432-26C1-C503D1DE9F14}"/>
               </a:ext>
             </a:extLst>
           </p:cNvPr>
@@ -2411,7 +2411,7 @@
           <p:cNvPr id="7" name="灯片编号占位符 6">
             <a:extLst>
               <a:ext uri="{FF2B5EF4-FFF2-40B4-BE49-F238E27FC236}">
-                <a16:creationId xmlns:a16="http://schemas.microsoft.com/office/drawing/2014/main" id="{37428D46-CC07-3F84-68A4-C1DC428DED8E}"/>
+                <a16:creationId xmlns:a16="http://schemas.microsoft.com/office/drawing/2014/main" id="{6C9CCC01-9FBE-62F9-6B1D-CB75D01A9D2E}"/>
               </a:ext>
             </a:extLst>
           </p:cNvPr>
@@ -2427,7 +2427,7 @@
           <a:bodyPr/>
           <a:lstStyle/>
           <a:p>
-            <a:fld id="{D6301372-769D-42BE-8194-5DD4D3F472B5}" type="slidenum">
+            <a:fld id="{591DB2F8-6785-44D4-80B6-257F1E13351A}" type="slidenum">
               <a:rPr lang="zh-CN" altLang="en-US" smtClean="0"/>
               <a:t>‹#›</a:t>
             </a:fld>
@@ -2438,7 +2438,7 @@
     </p:spTree>
     <p:extLst>
       <p:ext uri="{BB962C8B-B14F-4D97-AF65-F5344CB8AC3E}">
-        <p14:creationId xmlns:p14="http://schemas.microsoft.com/office/powerpoint/2010/main" val="1758659496"/>
+        <p14:creationId xmlns:p14="http://schemas.microsoft.com/office/powerpoint/2010/main" val="1096345351"/>
       </p:ext>
     </p:extLst>
   </p:cSld>
@@ -2470,7 +2470,7 @@
           <p:cNvPr id="2" name="标题 1">
             <a:extLst>
               <a:ext uri="{FF2B5EF4-FFF2-40B4-BE49-F238E27FC236}">
-                <a16:creationId xmlns:a16="http://schemas.microsoft.com/office/drawing/2014/main" id="{96ED60BF-7EFB-C1F2-1D62-230ADF1F1894}"/>
+                <a16:creationId xmlns:a16="http://schemas.microsoft.com/office/drawing/2014/main" id="{BAEFF679-3374-7275-1108-2613CDC23B15}"/>
               </a:ext>
             </a:extLst>
           </p:cNvPr>
@@ -2507,7 +2507,7 @@
           <p:cNvPr id="3" name="图片占位符 2">
             <a:extLst>
               <a:ext uri="{FF2B5EF4-FFF2-40B4-BE49-F238E27FC236}">
-                <a16:creationId xmlns:a16="http://schemas.microsoft.com/office/drawing/2014/main" id="{B25AEA5D-C19E-4694-B1F0-893FADCCA434}"/>
+                <a16:creationId xmlns:a16="http://schemas.microsoft.com/office/drawing/2014/main" id="{05C4302C-6FA6-57DF-961C-D85376A61B08}"/>
               </a:ext>
             </a:extLst>
           </p:cNvPr>
@@ -2574,7 +2574,7 @@
           <p:cNvPr id="4" name="文本占位符 3">
             <a:extLst>
               <a:ext uri="{FF2B5EF4-FFF2-40B4-BE49-F238E27FC236}">
-                <a16:creationId xmlns:a16="http://schemas.microsoft.com/office/drawing/2014/main" id="{81BD52D4-AE69-47BC-FA72-1237909B793B}"/>
+                <a16:creationId xmlns:a16="http://schemas.microsoft.com/office/drawing/2014/main" id="{E9BDA85C-FB24-0C0A-1BDA-6F8D6A9809C2}"/>
               </a:ext>
             </a:extLst>
           </p:cNvPr>
@@ -2645,7 +2645,7 @@
           <p:cNvPr id="5" name="日期占位符 4">
             <a:extLst>
               <a:ext uri="{FF2B5EF4-FFF2-40B4-BE49-F238E27FC236}">
-                <a16:creationId xmlns:a16="http://schemas.microsoft.com/office/drawing/2014/main" id="{264BC0ED-02C2-C816-C1C0-A9347BA8D9E2}"/>
+                <a16:creationId xmlns:a16="http://schemas.microsoft.com/office/drawing/2014/main" id="{CDC705D4-5725-29B2-78DD-7D65EA0A08B8}"/>
               </a:ext>
             </a:extLst>
           </p:cNvPr>
@@ -2661,7 +2661,7 @@
           <a:bodyPr/>
           <a:lstStyle/>
           <a:p>
-            <a:fld id="{5DAEDD94-563D-4F94-808C-8E06A50D58CE}" type="datetimeFigureOut">
+            <a:fld id="{896F529D-E4B8-4446-A284-D706DE656780}" type="datetimeFigureOut">
               <a:rPr lang="zh-CN" altLang="en-US" smtClean="0"/>
               <a:t>2024/3/10</a:t>
             </a:fld>
@@ -2674,7 +2674,7 @@
           <p:cNvPr id="6" name="页脚占位符 5">
             <a:extLst>
               <a:ext uri="{FF2B5EF4-FFF2-40B4-BE49-F238E27FC236}">
-                <a16:creationId xmlns:a16="http://schemas.microsoft.com/office/drawing/2014/main" id="{FFD5BBE0-C459-A965-1AC0-4C972A621FFB}"/>
+                <a16:creationId xmlns:a16="http://schemas.microsoft.com/office/drawing/2014/main" id="{DCB94282-0668-26B2-54C4-B4D76F2B715F}"/>
               </a:ext>
             </a:extLst>
           </p:cNvPr>
@@ -2699,7 +2699,7 @@
           <p:cNvPr id="7" name="灯片编号占位符 6">
             <a:extLst>
               <a:ext uri="{FF2B5EF4-FFF2-40B4-BE49-F238E27FC236}">
-                <a16:creationId xmlns:a16="http://schemas.microsoft.com/office/drawing/2014/main" id="{2C784D48-F8D6-1A97-B377-D8BAEAD5FB19}"/>
+                <a16:creationId xmlns:a16="http://schemas.microsoft.com/office/drawing/2014/main" id="{B75C05DB-1027-0751-A27A-75CB9094D6DD}"/>
               </a:ext>
             </a:extLst>
           </p:cNvPr>
@@ -2715,7 +2715,7 @@
           <a:bodyPr/>
           <a:lstStyle/>
           <a:p>
-            <a:fld id="{D6301372-769D-42BE-8194-5DD4D3F472B5}" type="slidenum">
+            <a:fld id="{591DB2F8-6785-44D4-80B6-257F1E13351A}" type="slidenum">
               <a:rPr lang="zh-CN" altLang="en-US" smtClean="0"/>
               <a:t>‹#›</a:t>
             </a:fld>
@@ -2726,7 +2726,7 @@
     </p:spTree>
     <p:extLst>
       <p:ext uri="{BB962C8B-B14F-4D97-AF65-F5344CB8AC3E}">
-        <p14:creationId xmlns:p14="http://schemas.microsoft.com/office/powerpoint/2010/main" val="2552428828"/>
+        <p14:creationId xmlns:p14="http://schemas.microsoft.com/office/powerpoint/2010/main" val="2569087569"/>
       </p:ext>
     </p:extLst>
   </p:cSld>
@@ -2763,7 +2763,7 @@
           <p:cNvPr id="2" name="标题占位符 1">
             <a:extLst>
               <a:ext uri="{FF2B5EF4-FFF2-40B4-BE49-F238E27FC236}">
-                <a16:creationId xmlns:a16="http://schemas.microsoft.com/office/drawing/2014/main" id="{3AE0EF5C-3ACF-0489-4ACD-33219F24EFB7}"/>
+                <a16:creationId xmlns:a16="http://schemas.microsoft.com/office/drawing/2014/main" id="{6A4AAA97-5773-833E-5FDF-2D1FE8575115}"/>
               </a:ext>
             </a:extLst>
           </p:cNvPr>
@@ -2801,7 +2801,7 @@
           <p:cNvPr id="3" name="文本占位符 2">
             <a:extLst>
               <a:ext uri="{FF2B5EF4-FFF2-40B4-BE49-F238E27FC236}">
-                <a16:creationId xmlns:a16="http://schemas.microsoft.com/office/drawing/2014/main" id="{98CB2A3B-29B0-37AD-6F29-E337C774FA8D}"/>
+                <a16:creationId xmlns:a16="http://schemas.microsoft.com/office/drawing/2014/main" id="{E6E168B1-FD79-DDED-FA8A-8E705DFE46A7}"/>
               </a:ext>
             </a:extLst>
           </p:cNvPr>
@@ -2868,7 +2868,7 @@
           <p:cNvPr id="4" name="日期占位符 3">
             <a:extLst>
               <a:ext uri="{FF2B5EF4-FFF2-40B4-BE49-F238E27FC236}">
-                <a16:creationId xmlns:a16="http://schemas.microsoft.com/office/drawing/2014/main" id="{5B1B4717-27E4-FB6E-3CDA-0AE58B03829C}"/>
+                <a16:creationId xmlns:a16="http://schemas.microsoft.com/office/drawing/2014/main" id="{DB89F2A9-59EA-6C2D-05C9-A5168777A0F8}"/>
               </a:ext>
             </a:extLst>
           </p:cNvPr>
@@ -2902,7 +2902,7 @@
             </a:lvl1pPr>
           </a:lstStyle>
           <a:p>
-            <a:fld id="{5DAEDD94-563D-4F94-808C-8E06A50D58CE}" type="datetimeFigureOut">
+            <a:fld id="{896F529D-E4B8-4446-A284-D706DE656780}" type="datetimeFigureOut">
               <a:rPr lang="zh-CN" altLang="en-US" smtClean="0"/>
               <a:t>2024/3/10</a:t>
             </a:fld>
@@ -2915,7 +2915,7 @@
           <p:cNvPr id="5" name="页脚占位符 4">
             <a:extLst>
               <a:ext uri="{FF2B5EF4-FFF2-40B4-BE49-F238E27FC236}">
-                <a16:creationId xmlns:a16="http://schemas.microsoft.com/office/drawing/2014/main" id="{64F1E0EB-B517-A19B-D974-7E0C54206F13}"/>
+                <a16:creationId xmlns:a16="http://schemas.microsoft.com/office/drawing/2014/main" id="{0EB8E417-25DC-E6EC-85B8-9B5F5141B32C}"/>
               </a:ext>
             </a:extLst>
           </p:cNvPr>
@@ -2958,7 +2958,7 @@
           <p:cNvPr id="6" name="灯片编号占位符 5">
             <a:extLst>
               <a:ext uri="{FF2B5EF4-FFF2-40B4-BE49-F238E27FC236}">
-                <a16:creationId xmlns:a16="http://schemas.microsoft.com/office/drawing/2014/main" id="{87F251AF-3FCB-67F6-BAB1-F568B20F14D1}"/>
+                <a16:creationId xmlns:a16="http://schemas.microsoft.com/office/drawing/2014/main" id="{49AD8EC5-2766-FB2A-FEF9-BEFCA4BD8644}"/>
               </a:ext>
             </a:extLst>
           </p:cNvPr>
@@ -2992,7 +2992,7 @@
             </a:lvl1pPr>
           </a:lstStyle>
           <a:p>
-            <a:fld id="{D6301372-769D-42BE-8194-5DD4D3F472B5}" type="slidenum">
+            <a:fld id="{591DB2F8-6785-44D4-80B6-257F1E13351A}" type="slidenum">
               <a:rPr lang="zh-CN" altLang="en-US" smtClean="0"/>
               <a:t>‹#›</a:t>
             </a:fld>
@@ -3003,7 +3003,7 @@
     </p:spTree>
     <p:extLst>
       <p:ext uri="{BB962C8B-B14F-4D97-AF65-F5344CB8AC3E}">
-        <p14:creationId xmlns:p14="http://schemas.microsoft.com/office/powerpoint/2010/main" val="41722588"/>
+        <p14:creationId xmlns:p14="http://schemas.microsoft.com/office/powerpoint/2010/main" val="659788387"/>
       </p:ext>
     </p:extLst>
   </p:cSld>
@@ -3323,7 +3323,7 @@
       </p:grpSpPr>
       <p:pic>
         <p:nvPicPr>
-          <p:cNvPr id="1310722" name="Picture 2" descr="1279"/>
+          <p:cNvPr id="1311746" name="Picture 2" descr="1280"/>
           <p:cNvPicPr>
             <a:picLocks noChangeAspect="1" noChangeArrowheads="1"/>
           </p:cNvPicPr>
@@ -3345,7 +3345,7 @@
         <p:spPr bwMode="auto">
           <a:xfrm>
             <a:off x="1524000" y="0"/>
-            <a:ext cx="9144000" cy="6858000"/>
+            <a:ext cx="9144000" cy="3716338"/>
           </a:xfrm>
           <a:prstGeom prst="rect">
             <a:avLst/>
